--- a/FrontEnd/Week3/Week3.pptx
+++ b/FrontEnd/Week3/Week3.pptx
@@ -125,6 +125,27 @@
 </p:presentation>
 </file>
 
+<file path=ppt/changesInfos/changesInfo1.xml><?xml version="1.0" encoding="utf-8"?>
+<pc:chgInfo xmlns:a="http://schemas.openxmlformats.org/drawingml/2006/main" xmlns:r="http://schemas.openxmlformats.org/officeDocument/2006/relationships" xmlns:ac="http://schemas.microsoft.com/office/drawing/2013/main/command" xmlns:pc="http://schemas.microsoft.com/office/powerpoint/2013/main/command">
+  <pc:docChgLst>
+    <pc:chgData name="Noman  Atique" userId="aab35d70-e8e0-4a76-8862-eddb3a1d4775" providerId="ADAL" clId="{D4AAC077-1EEA-4817-98ED-55C003801FB8}"/>
+    <pc:docChg chg="addSld delSld">
+      <pc:chgData name="Noman  Atique" userId="aab35d70-e8e0-4a76-8862-eddb3a1d4775" providerId="ADAL" clId="{D4AAC077-1EEA-4817-98ED-55C003801FB8}" dt="2026-01-29T15:58:50.220" v="1" actId="47"/>
+      <pc:docMkLst>
+        <pc:docMk/>
+      </pc:docMkLst>
+      <pc:sldChg chg="new del">
+        <pc:chgData name="Noman  Atique" userId="aab35d70-e8e0-4a76-8862-eddb3a1d4775" providerId="ADAL" clId="{D4AAC077-1EEA-4817-98ED-55C003801FB8}" dt="2026-01-29T15:58:50.220" v="1" actId="47"/>
+        <pc:sldMkLst>
+          <pc:docMk/>
+          <pc:sldMk cId="813598501" sldId="270"/>
+        </pc:sldMkLst>
+      </pc:sldChg>
+    </pc:docChg>
+  </pc:docChgLst>
+</pc:chgInfo>
+</file>
+
 <file path=ppt/slideLayouts/slideLayout1.xml><?xml version="1.0" encoding="utf-8"?>
 <p:sldLayout xmlns:a="http://schemas.openxmlformats.org/drawingml/2006/main" xmlns:r="http://schemas.openxmlformats.org/officeDocument/2006/relationships" xmlns:p="http://schemas.openxmlformats.org/presentationml/2006/main" type="title" preserve="1">
   <p:cSld name="Title Slide">
@@ -256,7 +277,7 @@
           <a:p>
             <a:fld id="{F28A4246-F2A7-4220-A405-8A96DAE08D6A}" type="datetimeFigureOut">
               <a:rPr lang="en-US" smtClean="0"/>
-              <a:t>1/22/2026</a:t>
+              <a:t>1/29/2026</a:t>
             </a:fld>
             <a:endParaRPr lang="en-US"/>
           </a:p>
@@ -426,7 +447,7 @@
           <a:p>
             <a:fld id="{F28A4246-F2A7-4220-A405-8A96DAE08D6A}" type="datetimeFigureOut">
               <a:rPr lang="en-US" smtClean="0"/>
-              <a:t>1/22/2026</a:t>
+              <a:t>1/29/2026</a:t>
             </a:fld>
             <a:endParaRPr lang="en-US"/>
           </a:p>
@@ -606,7 +627,7 @@
           <a:p>
             <a:fld id="{F28A4246-F2A7-4220-A405-8A96DAE08D6A}" type="datetimeFigureOut">
               <a:rPr lang="en-US" smtClean="0"/>
-              <a:t>1/22/2026</a:t>
+              <a:t>1/29/2026</a:t>
             </a:fld>
             <a:endParaRPr lang="en-US"/>
           </a:p>
@@ -776,7 +797,7 @@
           <a:p>
             <a:fld id="{F28A4246-F2A7-4220-A405-8A96DAE08D6A}" type="datetimeFigureOut">
               <a:rPr lang="en-US" smtClean="0"/>
-              <a:t>1/22/2026</a:t>
+              <a:t>1/29/2026</a:t>
             </a:fld>
             <a:endParaRPr lang="en-US"/>
           </a:p>
@@ -1022,7 +1043,7 @@
           <a:p>
             <a:fld id="{F28A4246-F2A7-4220-A405-8A96DAE08D6A}" type="datetimeFigureOut">
               <a:rPr lang="en-US" smtClean="0"/>
-              <a:t>1/22/2026</a:t>
+              <a:t>1/29/2026</a:t>
             </a:fld>
             <a:endParaRPr lang="en-US"/>
           </a:p>
@@ -1254,7 +1275,7 @@
           <a:p>
             <a:fld id="{F28A4246-F2A7-4220-A405-8A96DAE08D6A}" type="datetimeFigureOut">
               <a:rPr lang="en-US" smtClean="0"/>
-              <a:t>1/22/2026</a:t>
+              <a:t>1/29/2026</a:t>
             </a:fld>
             <a:endParaRPr lang="en-US"/>
           </a:p>
@@ -1621,7 +1642,7 @@
           <a:p>
             <a:fld id="{F28A4246-F2A7-4220-A405-8A96DAE08D6A}" type="datetimeFigureOut">
               <a:rPr lang="en-US" smtClean="0"/>
-              <a:t>1/22/2026</a:t>
+              <a:t>1/29/2026</a:t>
             </a:fld>
             <a:endParaRPr lang="en-US"/>
           </a:p>
@@ -1739,7 +1760,7 @@
           <a:p>
             <a:fld id="{F28A4246-F2A7-4220-A405-8A96DAE08D6A}" type="datetimeFigureOut">
               <a:rPr lang="en-US" smtClean="0"/>
-              <a:t>1/22/2026</a:t>
+              <a:t>1/29/2026</a:t>
             </a:fld>
             <a:endParaRPr lang="en-US"/>
           </a:p>
@@ -1834,7 +1855,7 @@
           <a:p>
             <a:fld id="{F28A4246-F2A7-4220-A405-8A96DAE08D6A}" type="datetimeFigureOut">
               <a:rPr lang="en-US" smtClean="0"/>
-              <a:t>1/22/2026</a:t>
+              <a:t>1/29/2026</a:t>
             </a:fld>
             <a:endParaRPr lang="en-US"/>
           </a:p>
@@ -2111,7 +2132,7 @@
           <a:p>
             <a:fld id="{F28A4246-F2A7-4220-A405-8A96DAE08D6A}" type="datetimeFigureOut">
               <a:rPr lang="en-US" smtClean="0"/>
-              <a:t>1/22/2026</a:t>
+              <a:t>1/29/2026</a:t>
             </a:fld>
             <a:endParaRPr lang="en-US"/>
           </a:p>
@@ -2368,7 +2389,7 @@
           <a:p>
             <a:fld id="{F28A4246-F2A7-4220-A405-8A96DAE08D6A}" type="datetimeFigureOut">
               <a:rPr lang="en-US" smtClean="0"/>
-              <a:t>1/22/2026</a:t>
+              <a:t>1/29/2026</a:t>
             </a:fld>
             <a:endParaRPr lang="en-US"/>
           </a:p>
@@ -2581,7 +2602,7 @@
           <a:p>
             <a:fld id="{F28A4246-F2A7-4220-A405-8A96DAE08D6A}" type="datetimeFigureOut">
               <a:rPr lang="en-US" smtClean="0"/>
-              <a:t>1/22/2026</a:t>
+              <a:t>1/29/2026</a:t>
             </a:fld>
             <a:endParaRPr lang="en-US"/>
           </a:p>
